--- a/images/theory_analysis/Union_Mount_AUFS_Docker_Image_Layer/Union_Mount_AUFS_Docker_Image_Layer.pptx
+++ b/images/theory_analysis/Union_Mount_AUFS_Docker_Image_Layer/Union_Mount_AUFS_Docker_Image_Layer.pptx
@@ -212,7 +212,7 @@
           <a:p>
             <a:fld id="{6CD5550B-26C4-49A9-A5BA-636EF7BE6CE9}" type="datetimeFigureOut">
               <a:rPr lang="ko-KR" altLang="en-US" smtClean="0"/>
-              <a:t>2017-02-01</a:t>
+              <a:t>2017-02-04</a:t>
             </a:fld>
             <a:endParaRPr lang="ko-KR" altLang="en-US"/>
           </a:p>
@@ -997,7 +997,7 @@
           <a:p>
             <a:fld id="{FB30EDBD-1C2D-4C1E-B459-B60219FAB484}" type="datetimeFigureOut">
               <a:rPr lang="ko-KR" altLang="en-US" smtClean="0"/>
-              <a:t>2017-02-01</a:t>
+              <a:t>2017-02-04</a:t>
             </a:fld>
             <a:endParaRPr lang="ko-KR" altLang="en-US"/>
           </a:p>
@@ -1162,7 +1162,7 @@
           <a:p>
             <a:fld id="{FB30EDBD-1C2D-4C1E-B459-B60219FAB484}" type="datetimeFigureOut">
               <a:rPr lang="ko-KR" altLang="en-US" smtClean="0"/>
-              <a:t>2017-02-01</a:t>
+              <a:t>2017-02-04</a:t>
             </a:fld>
             <a:endParaRPr lang="ko-KR" altLang="en-US"/>
           </a:p>
@@ -1337,7 +1337,7 @@
           <a:p>
             <a:fld id="{FB30EDBD-1C2D-4C1E-B459-B60219FAB484}" type="datetimeFigureOut">
               <a:rPr lang="ko-KR" altLang="en-US" smtClean="0"/>
-              <a:t>2017-02-01</a:t>
+              <a:t>2017-02-04</a:t>
             </a:fld>
             <a:endParaRPr lang="ko-KR" altLang="en-US"/>
           </a:p>
@@ -1502,7 +1502,7 @@
           <a:p>
             <a:fld id="{FB30EDBD-1C2D-4C1E-B459-B60219FAB484}" type="datetimeFigureOut">
               <a:rPr lang="ko-KR" altLang="en-US" smtClean="0"/>
-              <a:t>2017-02-01</a:t>
+              <a:t>2017-02-04</a:t>
             </a:fld>
             <a:endParaRPr lang="ko-KR" altLang="en-US"/>
           </a:p>
@@ -1743,7 +1743,7 @@
           <a:p>
             <a:fld id="{FB30EDBD-1C2D-4C1E-B459-B60219FAB484}" type="datetimeFigureOut">
               <a:rPr lang="ko-KR" altLang="en-US" smtClean="0"/>
-              <a:t>2017-02-01</a:t>
+              <a:t>2017-02-04</a:t>
             </a:fld>
             <a:endParaRPr lang="ko-KR" altLang="en-US"/>
           </a:p>
@@ -2026,7 +2026,7 @@
           <a:p>
             <a:fld id="{FB30EDBD-1C2D-4C1E-B459-B60219FAB484}" type="datetimeFigureOut">
               <a:rPr lang="ko-KR" altLang="en-US" smtClean="0"/>
-              <a:t>2017-02-01</a:t>
+              <a:t>2017-02-04</a:t>
             </a:fld>
             <a:endParaRPr lang="ko-KR" altLang="en-US"/>
           </a:p>
@@ -2443,7 +2443,7 @@
           <a:p>
             <a:fld id="{FB30EDBD-1C2D-4C1E-B459-B60219FAB484}" type="datetimeFigureOut">
               <a:rPr lang="ko-KR" altLang="en-US" smtClean="0"/>
-              <a:t>2017-02-01</a:t>
+              <a:t>2017-02-04</a:t>
             </a:fld>
             <a:endParaRPr lang="ko-KR" altLang="en-US"/>
           </a:p>
@@ -2556,7 +2556,7 @@
           <a:p>
             <a:fld id="{FB30EDBD-1C2D-4C1E-B459-B60219FAB484}" type="datetimeFigureOut">
               <a:rPr lang="ko-KR" altLang="en-US" smtClean="0"/>
-              <a:t>2017-02-01</a:t>
+              <a:t>2017-02-04</a:t>
             </a:fld>
             <a:endParaRPr lang="ko-KR" altLang="en-US"/>
           </a:p>
@@ -2646,7 +2646,7 @@
           <a:p>
             <a:fld id="{FB30EDBD-1C2D-4C1E-B459-B60219FAB484}" type="datetimeFigureOut">
               <a:rPr lang="ko-KR" altLang="en-US" smtClean="0"/>
-              <a:t>2017-02-01</a:t>
+              <a:t>2017-02-04</a:t>
             </a:fld>
             <a:endParaRPr lang="ko-KR" altLang="en-US"/>
           </a:p>
@@ -2918,7 +2918,7 @@
           <a:p>
             <a:fld id="{FB30EDBD-1C2D-4C1E-B459-B60219FAB484}" type="datetimeFigureOut">
               <a:rPr lang="ko-KR" altLang="en-US" smtClean="0"/>
-              <a:t>2017-02-01</a:t>
+              <a:t>2017-02-04</a:t>
             </a:fld>
             <a:endParaRPr lang="ko-KR" altLang="en-US"/>
           </a:p>
@@ -3166,7 +3166,7 @@
           <a:p>
             <a:fld id="{FB30EDBD-1C2D-4C1E-B459-B60219FAB484}" type="datetimeFigureOut">
               <a:rPr lang="ko-KR" altLang="en-US" smtClean="0"/>
-              <a:t>2017-02-01</a:t>
+              <a:t>2017-02-04</a:t>
             </a:fld>
             <a:endParaRPr lang="ko-KR" altLang="en-US"/>
           </a:p>
@@ -3374,7 +3374,7 @@
           <a:p>
             <a:fld id="{FB30EDBD-1C2D-4C1E-B459-B60219FAB484}" type="datetimeFigureOut">
               <a:rPr lang="ko-KR" altLang="en-US" smtClean="0"/>
-              <a:t>2017-02-01</a:t>
+              <a:t>2017-02-04</a:t>
             </a:fld>
             <a:endParaRPr lang="ko-KR" altLang="en-US"/>
           </a:p>
@@ -8140,11 +8140,7 @@
             <a:pPr algn="ctr"/>
             <a:r>
               <a:rPr lang="en-US" altLang="ko-KR" smtClean="0"/>
-              <a:t>/u</a:t>
-            </a:r>
-            <a:r>
-              <a:rPr lang="en-US" altLang="ko-KR" smtClean="0"/>
-              <a:t>buntu_base03</a:t>
+              <a:t>/ubuntu_base03</a:t>
             </a:r>
             <a:endParaRPr lang="ko-KR" altLang="en-US" dirty="0"/>
           </a:p>
@@ -8750,7 +8746,7 @@
         </p:nvSpPr>
         <p:spPr>
           <a:xfrm>
-            <a:off x="7020272" y="4267361"/>
+            <a:off x="7020272" y="3398980"/>
             <a:ext cx="1728192" cy="432048"/>
           </a:xfrm>
           <a:prstGeom prst="roundRect">
@@ -8787,13 +8783,15 @@
       <p:cxnSp>
         <p:nvCxnSpPr>
           <p:cNvPr id="32" name="직선 화살표 연결선 31"/>
-          <p:cNvCxnSpPr/>
+          <p:cNvCxnSpPr>
+            <a:endCxn id="30" idx="0"/>
+          </p:cNvCxnSpPr>
           <p:nvPr/>
         </p:nvCxnSpPr>
         <p:spPr>
           <a:xfrm>
             <a:off x="7884368" y="2708920"/>
-            <a:ext cx="0" cy="1558441"/>
+            <a:ext cx="0" cy="690060"/>
           </a:xfrm>
           <a:prstGeom prst="straightConnector1">
             <a:avLst/>

--- a/images/theory_analysis/Union_Mount_AUFS_Docker_Image_Layer/Union_Mount_AUFS_Docker_Image_Layer.pptx
+++ b/images/theory_analysis/Union_Mount_AUFS_Docker_Image_Layer/Union_Mount_AUFS_Docker_Image_Layer.pptx
@@ -113,7 +113,7 @@
   </p:defaultTextStyle>
   <p:extLst>
     <p:ext uri="{EFAFB233-063F-42B5-8137-9DF3F51BA10A}">
-      <p15:sldGuideLst xmlns:p15="http://schemas.microsoft.com/office/powerpoint/2012/main">
+      <p15:sldGuideLst xmlns:p15="http://schemas.microsoft.com/office/powerpoint/2012/main" xmlns="">
         <p15:guide id="1" orient="horz" pos="2160">
           <p15:clr>
             <a:srgbClr val="A4A3A4"/>
@@ -212,7 +212,7 @@
           <a:p>
             <a:fld id="{6CD5550B-26C4-49A9-A5BA-636EF7BE6CE9}" type="datetimeFigureOut">
               <a:rPr lang="ko-KR" altLang="en-US" smtClean="0"/>
-              <a:t>2017-02-04</a:t>
+              <a:t>2018-11-19</a:t>
             </a:fld>
             <a:endParaRPr lang="ko-KR" altLang="en-US"/>
           </a:p>
@@ -997,7 +997,7 @@
           <a:p>
             <a:fld id="{FB30EDBD-1C2D-4C1E-B459-B60219FAB484}" type="datetimeFigureOut">
               <a:rPr lang="ko-KR" altLang="en-US" smtClean="0"/>
-              <a:t>2017-02-04</a:t>
+              <a:t>2018-11-19</a:t>
             </a:fld>
             <a:endParaRPr lang="ko-KR" altLang="en-US"/>
           </a:p>
@@ -1162,7 +1162,7 @@
           <a:p>
             <a:fld id="{FB30EDBD-1C2D-4C1E-B459-B60219FAB484}" type="datetimeFigureOut">
               <a:rPr lang="ko-KR" altLang="en-US" smtClean="0"/>
-              <a:t>2017-02-04</a:t>
+              <a:t>2018-11-19</a:t>
             </a:fld>
             <a:endParaRPr lang="ko-KR" altLang="en-US"/>
           </a:p>
@@ -1337,7 +1337,7 @@
           <a:p>
             <a:fld id="{FB30EDBD-1C2D-4C1E-B459-B60219FAB484}" type="datetimeFigureOut">
               <a:rPr lang="ko-KR" altLang="en-US" smtClean="0"/>
-              <a:t>2017-02-04</a:t>
+              <a:t>2018-11-19</a:t>
             </a:fld>
             <a:endParaRPr lang="ko-KR" altLang="en-US"/>
           </a:p>
@@ -1502,7 +1502,7 @@
           <a:p>
             <a:fld id="{FB30EDBD-1C2D-4C1E-B459-B60219FAB484}" type="datetimeFigureOut">
               <a:rPr lang="ko-KR" altLang="en-US" smtClean="0"/>
-              <a:t>2017-02-04</a:t>
+              <a:t>2018-11-19</a:t>
             </a:fld>
             <a:endParaRPr lang="ko-KR" altLang="en-US"/>
           </a:p>
@@ -1743,7 +1743,7 @@
           <a:p>
             <a:fld id="{FB30EDBD-1C2D-4C1E-B459-B60219FAB484}" type="datetimeFigureOut">
               <a:rPr lang="ko-KR" altLang="en-US" smtClean="0"/>
-              <a:t>2017-02-04</a:t>
+              <a:t>2018-11-19</a:t>
             </a:fld>
             <a:endParaRPr lang="ko-KR" altLang="en-US"/>
           </a:p>
@@ -2026,7 +2026,7 @@
           <a:p>
             <a:fld id="{FB30EDBD-1C2D-4C1E-B459-B60219FAB484}" type="datetimeFigureOut">
               <a:rPr lang="ko-KR" altLang="en-US" smtClean="0"/>
-              <a:t>2017-02-04</a:t>
+              <a:t>2018-11-19</a:t>
             </a:fld>
             <a:endParaRPr lang="ko-KR" altLang="en-US"/>
           </a:p>
@@ -2443,7 +2443,7 @@
           <a:p>
             <a:fld id="{FB30EDBD-1C2D-4C1E-B459-B60219FAB484}" type="datetimeFigureOut">
               <a:rPr lang="ko-KR" altLang="en-US" smtClean="0"/>
-              <a:t>2017-02-04</a:t>
+              <a:t>2018-11-19</a:t>
             </a:fld>
             <a:endParaRPr lang="ko-KR" altLang="en-US"/>
           </a:p>
@@ -2556,7 +2556,7 @@
           <a:p>
             <a:fld id="{FB30EDBD-1C2D-4C1E-B459-B60219FAB484}" type="datetimeFigureOut">
               <a:rPr lang="ko-KR" altLang="en-US" smtClean="0"/>
-              <a:t>2017-02-04</a:t>
+              <a:t>2018-11-19</a:t>
             </a:fld>
             <a:endParaRPr lang="ko-KR" altLang="en-US"/>
           </a:p>
@@ -2646,7 +2646,7 @@
           <a:p>
             <a:fld id="{FB30EDBD-1C2D-4C1E-B459-B60219FAB484}" type="datetimeFigureOut">
               <a:rPr lang="ko-KR" altLang="en-US" smtClean="0"/>
-              <a:t>2017-02-04</a:t>
+              <a:t>2018-11-19</a:t>
             </a:fld>
             <a:endParaRPr lang="ko-KR" altLang="en-US"/>
           </a:p>
@@ -2918,7 +2918,7 @@
           <a:p>
             <a:fld id="{FB30EDBD-1C2D-4C1E-B459-B60219FAB484}" type="datetimeFigureOut">
               <a:rPr lang="ko-KR" altLang="en-US" smtClean="0"/>
-              <a:t>2017-02-04</a:t>
+              <a:t>2018-11-19</a:t>
             </a:fld>
             <a:endParaRPr lang="ko-KR" altLang="en-US"/>
           </a:p>
@@ -3166,7 +3166,7 @@
           <a:p>
             <a:fld id="{FB30EDBD-1C2D-4C1E-B459-B60219FAB484}" type="datetimeFigureOut">
               <a:rPr lang="ko-KR" altLang="en-US" smtClean="0"/>
-              <a:t>2017-02-04</a:t>
+              <a:t>2018-11-19</a:t>
             </a:fld>
             <a:endParaRPr lang="ko-KR" altLang="en-US"/>
           </a:p>
@@ -3374,7 +3374,7 @@
           <a:p>
             <a:fld id="{FB30EDBD-1C2D-4C1E-B459-B60219FAB484}" type="datetimeFigureOut">
               <a:rPr lang="ko-KR" altLang="en-US" smtClean="0"/>
-              <a:t>2017-02-04</a:t>
+              <a:t>2018-11-19</a:t>
             </a:fld>
             <a:endParaRPr lang="ko-KR" altLang="en-US"/>
           </a:p>
@@ -6249,6 +6249,10 @@
           <a:p>
             <a:pPr algn="ctr"/>
             <a:r>
+              <a:rPr lang="en-US" altLang="ko-KR" dirty="0" smtClean="0"/>
+              <a:t>.</a:t>
+            </a:r>
+            <a:r>
               <a:rPr lang="en-US" altLang="ko-KR" dirty="0" err="1" smtClean="0"/>
               <a:t>wh.file_02</a:t>
             </a:r>
@@ -6346,7 +6350,7 @@
         </p:nvCxnSpPr>
         <p:spPr>
           <a:xfrm>
-            <a:off x="2339752" y="2708920"/>
+            <a:off x="2286596" y="2708920"/>
             <a:ext cx="0" cy="3312368"/>
           </a:xfrm>
           <a:prstGeom prst="straightConnector1">
@@ -6382,7 +6386,7 @@
         </p:nvSpPr>
         <p:spPr>
           <a:xfrm>
-            <a:off x="2176884" y="2888974"/>
+            <a:off x="2123728" y="2888974"/>
             <a:ext cx="325735" cy="325735"/>
           </a:xfrm>
           <a:prstGeom prst="ellipse">
@@ -6669,6 +6673,10 @@
           <a:lstStyle/>
           <a:p>
             <a:pPr algn="ctr"/>
+            <a:r>
+              <a:rPr lang="en-US" altLang="ko-KR" dirty="0" smtClean="0"/>
+              <a:t>.</a:t>
+            </a:r>
             <a:r>
               <a:rPr lang="en-US" altLang="ko-KR" dirty="0" err="1" smtClean="0"/>
               <a:t>wh.dir_01</a:t>
@@ -7360,7 +7368,7 @@
         <p:spPr>
           <a:xfrm>
             <a:off x="1979712" y="3394695"/>
-            <a:ext cx="2016224" cy="432048"/>
+            <a:ext cx="1944216" cy="432048"/>
           </a:xfrm>
           <a:prstGeom prst="roundRect">
             <a:avLst/>
@@ -7392,30 +7400,6 @@
             <a:r>
               <a:rPr lang="en-US" altLang="ko-KR" dirty="0" err="1" smtClean="0"/>
               <a:t>dir</a:t>
-            </a:r>
-            <a:r>
-              <a:rPr lang="en-US" altLang="ko-KR" dirty="0" smtClean="0"/>
-              <a:t>/.</a:t>
-            </a:r>
-            <a:r>
-              <a:rPr lang="en-US" altLang="ko-KR" dirty="0" err="1" smtClean="0"/>
-              <a:t>wh</a:t>
-            </a:r>
-            <a:r>
-              <a:rPr lang="en-US" altLang="ko-KR" dirty="0" smtClean="0"/>
-              <a:t>..</a:t>
-            </a:r>
-            <a:r>
-              <a:rPr lang="en-US" altLang="ko-KR" dirty="0" err="1" smtClean="0"/>
-              <a:t>wh</a:t>
-            </a:r>
-            <a:r>
-              <a:rPr lang="en-US" altLang="ko-KR" dirty="0" smtClean="0"/>
-              <a:t>..</a:t>
-            </a:r>
-            <a:r>
-              <a:rPr lang="en-US" altLang="ko-KR" dirty="0" err="1" smtClean="0"/>
-              <a:t>opq</a:t>
             </a:r>
             <a:endParaRPr lang="ko-KR" altLang="en-US" dirty="0"/>
           </a:p>
@@ -7591,14 +7575,14 @@
           <p:cNvPr id="47" name="직선 화살표 연결선 46"/>
           <p:cNvCxnSpPr>
             <a:stCxn id="39" idx="2"/>
-            <a:endCxn id="26" idx="0"/>
+            <a:endCxn id="29" idx="0"/>
           </p:cNvCxnSpPr>
           <p:nvPr/>
         </p:nvCxnSpPr>
         <p:spPr>
           <a:xfrm flipH="1">
-            <a:off x="2987824" y="2708920"/>
-            <a:ext cx="4392488" cy="685775"/>
+            <a:off x="5148064" y="2708920"/>
+            <a:ext cx="2232248" cy="685775"/>
           </a:xfrm>
           <a:prstGeom prst="straightConnector1">
             <a:avLst/>
@@ -7630,14 +7614,14 @@
           <p:cNvPr id="48" name="직선 화살표 연결선 47"/>
           <p:cNvCxnSpPr>
             <a:stCxn id="37" idx="2"/>
-            <a:endCxn id="26" idx="0"/>
+            <a:endCxn id="29" idx="0"/>
           </p:cNvCxnSpPr>
           <p:nvPr/>
         </p:nvCxnSpPr>
         <p:spPr>
-          <a:xfrm flipH="1">
-            <a:off x="2987824" y="2708920"/>
-            <a:ext cx="2160240" cy="685775"/>
+          <a:xfrm>
+            <a:off x="5148064" y="2708920"/>
+            <a:ext cx="0" cy="685775"/>
           </a:xfrm>
           <a:prstGeom prst="straightConnector1">
             <a:avLst/>
@@ -7664,6 +7648,161 @@
           </a:fontRef>
         </p:style>
       </p:cxnSp>
+      <p:sp>
+        <p:nvSpPr>
+          <p:cNvPr id="25" name="모서리가 둥근 직사각형 24"/>
+          <p:cNvSpPr/>
+          <p:nvPr/>
+        </p:nvSpPr>
+        <p:spPr>
+          <a:xfrm>
+            <a:off x="1979712" y="2276872"/>
+            <a:ext cx="1944216" cy="432048"/>
+          </a:xfrm>
+          <a:prstGeom prst="roundRect">
+            <a:avLst/>
+          </a:prstGeom>
+        </p:spPr>
+        <p:style>
+          <a:lnRef idx="2">
+            <a:schemeClr val="dk1"/>
+          </a:lnRef>
+          <a:fillRef idx="1">
+            <a:schemeClr val="lt1"/>
+          </a:fillRef>
+          <a:effectRef idx="0">
+            <a:schemeClr val="dk1"/>
+          </a:effectRef>
+          <a:fontRef idx="minor">
+            <a:schemeClr val="dk1"/>
+          </a:fontRef>
+        </p:style>
+        <p:txBody>
+          <a:bodyPr rtlCol="0" anchor="ctr"/>
+          <a:lstStyle/>
+          <a:p>
+            <a:pPr algn="ctr"/>
+            <a:r>
+              <a:rPr lang="en-US" altLang="ko-KR" dirty="0" smtClean="0"/>
+              <a:t>/</a:t>
+            </a:r>
+            <a:r>
+              <a:rPr lang="en-US" altLang="ko-KR" dirty="0" err="1" smtClean="0"/>
+              <a:t>dir</a:t>
+            </a:r>
+            <a:endParaRPr lang="ko-KR" altLang="en-US" dirty="0"/>
+          </a:p>
+        </p:txBody>
+      </p:sp>
+      <p:cxnSp>
+        <p:nvCxnSpPr>
+          <p:cNvPr id="27" name="직선 화살표 연결선 26"/>
+          <p:cNvCxnSpPr>
+            <a:stCxn id="25" idx="2"/>
+            <a:endCxn id="26" idx="0"/>
+          </p:cNvCxnSpPr>
+          <p:nvPr/>
+        </p:nvCxnSpPr>
+        <p:spPr>
+          <a:xfrm>
+            <a:off x="2951820" y="2708920"/>
+            <a:ext cx="0" cy="685775"/>
+          </a:xfrm>
+          <a:prstGeom prst="straightConnector1">
+            <a:avLst/>
+          </a:prstGeom>
+          <a:ln w="28575">
+            <a:solidFill>
+              <a:schemeClr val="tx1"/>
+            </a:solidFill>
+            <a:tailEnd type="arrow"/>
+          </a:ln>
+        </p:spPr>
+        <p:style>
+          <a:lnRef idx="1">
+            <a:schemeClr val="dk1"/>
+          </a:lnRef>
+          <a:fillRef idx="0">
+            <a:schemeClr val="dk1"/>
+          </a:fillRef>
+          <a:effectRef idx="0">
+            <a:schemeClr val="dk1"/>
+          </a:effectRef>
+          <a:fontRef idx="minor">
+            <a:schemeClr val="tx1"/>
+          </a:fontRef>
+        </p:style>
+      </p:cxnSp>
+      <p:sp>
+        <p:nvSpPr>
+          <p:cNvPr id="29" name="모서리가 둥근 직사각형 28"/>
+          <p:cNvSpPr/>
+          <p:nvPr/>
+        </p:nvSpPr>
+        <p:spPr>
+          <a:xfrm>
+            <a:off x="4139952" y="3394695"/>
+            <a:ext cx="2016224" cy="432048"/>
+          </a:xfrm>
+          <a:prstGeom prst="roundRect">
+            <a:avLst/>
+          </a:prstGeom>
+        </p:spPr>
+        <p:style>
+          <a:lnRef idx="2">
+            <a:schemeClr val="dk1"/>
+          </a:lnRef>
+          <a:fillRef idx="1">
+            <a:schemeClr val="lt1"/>
+          </a:fillRef>
+          <a:effectRef idx="0">
+            <a:schemeClr val="dk1"/>
+          </a:effectRef>
+          <a:fontRef idx="minor">
+            <a:schemeClr val="dk1"/>
+          </a:fontRef>
+        </p:style>
+        <p:txBody>
+          <a:bodyPr rtlCol="0" anchor="ctr"/>
+          <a:lstStyle/>
+          <a:p>
+            <a:pPr algn="ctr"/>
+            <a:r>
+              <a:rPr lang="en-US" altLang="ko-KR" dirty="0" smtClean="0"/>
+              <a:t>/</a:t>
+            </a:r>
+            <a:r>
+              <a:rPr lang="en-US" altLang="ko-KR" dirty="0" err="1" smtClean="0"/>
+              <a:t>dir</a:t>
+            </a:r>
+            <a:r>
+              <a:rPr lang="en-US" altLang="ko-KR" dirty="0" smtClean="0"/>
+              <a:t>/.</a:t>
+            </a:r>
+            <a:r>
+              <a:rPr lang="en-US" altLang="ko-KR" dirty="0" err="1" smtClean="0"/>
+              <a:t>wh</a:t>
+            </a:r>
+            <a:r>
+              <a:rPr lang="en-US" altLang="ko-KR" dirty="0" smtClean="0"/>
+              <a:t>..</a:t>
+            </a:r>
+            <a:r>
+              <a:rPr lang="en-US" altLang="ko-KR" dirty="0" err="1" smtClean="0"/>
+              <a:t>wh</a:t>
+            </a:r>
+            <a:r>
+              <a:rPr lang="en-US" altLang="ko-KR" dirty="0" smtClean="0"/>
+              <a:t>..</a:t>
+            </a:r>
+            <a:r>
+              <a:rPr lang="en-US" altLang="ko-KR" dirty="0" err="1" smtClean="0"/>
+              <a:t>opq</a:t>
+            </a:r>
+            <a:endParaRPr lang="ko-KR" altLang="en-US" dirty="0"/>
+          </a:p>
+        </p:txBody>
+      </p:sp>
     </p:spTree>
     <p:extLst>
       <p:ext uri="{BB962C8B-B14F-4D97-AF65-F5344CB8AC3E}">
